--- a/documents/manual2nd/source/images/外部計算ポンチ絵.pptx
+++ b/documents/manual2nd/source/images/外部計算ポンチ絵.pptx
@@ -197,7 +197,7 @@
           <a:p>
             <a:fld id="{3BAB1D81-1BA5-4C13-953C-1C0674BFA700}" type="datetimeFigureOut">
               <a:rPr kumimoji="1" lang="ja-JP" altLang="en-US" smtClean="0"/>
-              <a:t>2021/5/31</a:t>
+              <a:t>2021/6/11</a:t>
             </a:fld>
             <a:endParaRPr kumimoji="1" lang="ja-JP" altLang="en-US"/>
           </a:p>
@@ -1753,10 +1753,10 @@
         </p:nvGrpSpPr>
         <p:grpSpPr>
           <a:xfrm>
-            <a:off x="360312" y="2689189"/>
-            <a:ext cx="9504000" cy="4243277"/>
-            <a:chOff x="360312" y="2689189"/>
-            <a:chExt cx="9504000" cy="4243277"/>
+            <a:off x="424819" y="2689189"/>
+            <a:ext cx="9439493" cy="4243277"/>
+            <a:chOff x="424819" y="2689189"/>
+            <a:chExt cx="9439493" cy="4243277"/>
           </a:xfrm>
         </p:grpSpPr>
         <p:sp>
@@ -3650,41 +3650,6 @@
             </a:p>
           </p:txBody>
         </p:sp>
-        <p:pic>
-          <p:nvPicPr>
-            <p:cNvPr id="116" name="図 115">
-              <a:extLst>
-                <a:ext uri="{FF2B5EF4-FFF2-40B4-BE49-F238E27FC236}">
-                  <a16:creationId xmlns:a16="http://schemas.microsoft.com/office/drawing/2014/main" id="{F00549AC-8132-4DD7-894F-7FACBA87A509}"/>
-                </a:ext>
-              </a:extLst>
-            </p:cNvPr>
-            <p:cNvPicPr>
-              <a:picLocks noChangeAspect="1"/>
-            </p:cNvPicPr>
-            <p:nvPr/>
-          </p:nvPicPr>
-          <p:blipFill rotWithShape="1">
-            <a:blip r:embed="rId5">
-              <a:extLst>
-                <a:ext uri="{28A0092B-C50C-407E-A947-70E740481C1C}">
-                  <a14:useLocalDpi xmlns:a14="http://schemas.microsoft.com/office/drawing/2010/main" val="0"/>
-                </a:ext>
-              </a:extLst>
-            </a:blip>
-            <a:srcRect b="37327"/>
-            <a:stretch/>
-          </p:blipFill>
-          <p:spPr>
-            <a:xfrm>
-              <a:off x="360312" y="2720096"/>
-              <a:ext cx="1905000" cy="549205"/>
-            </a:xfrm>
-            <a:prstGeom prst="rect">
-              <a:avLst/>
-            </a:prstGeom>
-          </p:spPr>
-        </p:pic>
         <p:sp>
           <p:nvSpPr>
             <p:cNvPr id="117" name="テキスト ボックス 116">
@@ -3699,8 +3664,8 @@
           </p:nvSpPr>
           <p:spPr>
             <a:xfrm>
-              <a:off x="936653" y="3208883"/>
-              <a:ext cx="1214142" cy="422405"/>
+              <a:off x="608762" y="2750707"/>
+              <a:ext cx="1815422" cy="576293"/>
             </a:xfrm>
             <a:prstGeom prst="rect">
               <a:avLst/>
@@ -3708,14 +3673,14 @@
             <a:noFill/>
           </p:spPr>
           <p:txBody>
-            <a:bodyPr wrap="none" lIns="144000" tIns="72000" rIns="144000" bIns="72000" rtlCol="0" anchor="t" anchorCtr="0">
+            <a:bodyPr wrap="square" lIns="144000" tIns="72000" rIns="144000" bIns="72000" rtlCol="0" anchor="t" anchorCtr="0">
               <a:spAutoFit/>
             </a:bodyPr>
             <a:lstStyle/>
             <a:p>
               <a:pPr algn="l"/>
               <a:r>
-                <a:rPr kumimoji="1" lang="ja-JP" altLang="en-US" dirty="0"/>
+                <a:rPr kumimoji="1" lang="ja-JP" altLang="en-US" sz="2800" dirty="0"/>
                 <a:t>参画機関</a:t>
               </a:r>
             </a:p>
@@ -3736,7 +3701,7 @@
             <p:nvPr/>
           </p:nvPicPr>
           <p:blipFill>
-            <a:blip r:embed="rId6">
+            <a:blip r:embed="rId5">
               <a:extLst>
                 <a:ext uri="{28A0092B-C50C-407E-A947-70E740481C1C}">
                   <a14:useLocalDpi xmlns:a14="http://schemas.microsoft.com/office/drawing/2010/main" val="0"/>
